--- a/Вступ ММП2024.pptx
+++ b/Вступ ММП2024.pptx
@@ -254,7 +254,7 @@
   </p:defaultTextStyle>
   <p:extLst>
     <p:ext uri="{EFAFB233-063F-42B5-8137-9DF3F51BA10A}">
-      <p15:sldGuideLst xmlns:ahyp="http://schemas.microsoft.com/office/drawing/2018/hyperlinkcolor" xmlns:p15="http://schemas.microsoft.com/office/powerpoint/2012/main" xmlns:p14="http://schemas.microsoft.com/office/powerpoint/2010/main" xmlns:com="http://schemas.openxmlformats.org/drawingml/2006/compatibility" xmlns:pvml="urn:schemas-microsoft-com:office:powerpoint" xmlns:v="urn:schemas-microsoft-com:vml" xmlns:o="urn:schemas-microsoft-com:office:office" xmlns:dgm="http://schemas.openxmlformats.org/drawingml/2006/diagram" xmlns:c="http://schemas.openxmlformats.org/drawingml/2006/chart" xmlns:mv="urn:schemas-microsoft-com:mac:vml" xmlns:mc="http://schemas.openxmlformats.org/markup-compatibility/2006" xmlns="">
+      <p15:sldGuideLst xmlns="" xmlns:mc="http://schemas.openxmlformats.org/markup-compatibility/2006" xmlns:mv="urn:schemas-microsoft-com:mac:vml" xmlns:c="http://schemas.openxmlformats.org/drawingml/2006/chart" xmlns:dgm="http://schemas.openxmlformats.org/drawingml/2006/diagram" xmlns:o="urn:schemas-microsoft-com:office:office" xmlns:v="urn:schemas-microsoft-com:vml" xmlns:pvml="urn:schemas-microsoft-com:office:powerpoint" xmlns:com="http://schemas.openxmlformats.org/drawingml/2006/compatibility" xmlns:p14="http://schemas.microsoft.com/office/powerpoint/2010/main" xmlns:p15="http://schemas.microsoft.com/office/powerpoint/2012/main" xmlns:ahyp="http://schemas.microsoft.com/office/drawing/2018/hyperlinkcolor">
         <p15:guide id="1" orient="horz" pos="1620">
           <p15:clr>
             <a:srgbClr val="A4A3A4"/>
@@ -6538,12 +6538,17 @@
             </a:pPr>
             <a:r>
               <a:rPr lang="ru" dirty="0"/>
-              <a:t>викладач Канцедал Г.О</a:t>
-            </a:r>
-            <a:r>
-              <a:rPr lang="ru" dirty="0" smtClean="0"/>
-              <a:t>.</a:t>
-            </a:r>
+              <a:t>викладач Канцедал </a:t>
+            </a:r>
+            <a:r>
+              <a:rPr lang="ru"/>
+              <a:t>Г.О</a:t>
+            </a:r>
+            <a:r>
+              <a:rPr lang="ru" smtClean="0"/>
+              <a:t>. </a:t>
+            </a:r>
+            <a:endParaRPr lang="ru" dirty="0" smtClean="0"/>
           </a:p>
           <a:p>
             <a:pPr marL="0" lvl="0" indent="0" algn="ctr" rtl="0">
@@ -6832,11 +6837,7 @@
             </a:r>
             <a:r>
               <a:rPr lang="ru" dirty="0" smtClean="0"/>
-              <a:t>додати косультацій</a:t>
-            </a:r>
-            <a:r>
-              <a:rPr lang="ru" dirty="0" smtClean="0"/>
-              <a:t> </a:t>
+              <a:t>додати косультацій </a:t>
             </a:r>
             <a:r>
               <a:rPr lang="ru" dirty="0"/>
@@ -6899,7 +6900,6 @@
               <a:rPr lang="ru" dirty="0" smtClean="0"/>
               <a:t>Опціонально після закінчення курсу можна звертатись за косультаціями з предмету.</a:t>
             </a:r>
-            <a:endParaRPr lang="ru" dirty="0" smtClean="0"/>
           </a:p>
         </p:txBody>
       </p:sp>
@@ -8606,11 +8606,7 @@
             </a:pPr>
             <a:r>
               <a:rPr lang="ru" dirty="0"/>
-              <a:t>Складність завдань 20хв - 2 год. Всього </a:t>
-            </a:r>
-            <a:r>
-              <a:rPr lang="ru" dirty="0"/>
-              <a:t>7</a:t>
+              <a:t>Складність завдань 20хв - 2 год. Всього 7</a:t>
             </a:r>
             <a:r>
               <a:rPr lang="ru" dirty="0" smtClean="0"/>
@@ -8921,11 +8917,7 @@
             </a:r>
             <a:r>
               <a:rPr lang="ru" dirty="0"/>
-              <a:t>сертифікат дає </a:t>
-            </a:r>
-            <a:r>
-              <a:rPr lang="ru" dirty="0"/>
-              <a:t>7</a:t>
+              <a:t>сертифікат дає 7</a:t>
             </a:r>
             <a:r>
               <a:rPr lang="ru" dirty="0" smtClean="0"/>
@@ -8957,11 +8949,7 @@
             </a:r>
             <a:r>
               <a:rPr lang="ru" dirty="0" smtClean="0"/>
-              <a:t>80</a:t>
-            </a:r>
-            <a:r>
-              <a:rPr lang="ru" dirty="0" smtClean="0"/>
-              <a:t> </a:t>
+              <a:t>80 </a:t>
             </a:r>
             <a:r>
               <a:rPr lang="ru" dirty="0"/>
@@ -9002,19 +8990,7 @@
             </a:r>
             <a:r>
               <a:rPr lang="ru" dirty="0" smtClean="0"/>
-              <a:t>9</a:t>
-            </a:r>
-            <a:r>
-              <a:rPr lang="ru" dirty="0" smtClean="0"/>
-              <a:t>0 </a:t>
-            </a:r>
-            <a:r>
-              <a:rPr lang="ru" dirty="0" smtClean="0"/>
-              <a:t>(</a:t>
-            </a:r>
-            <a:r>
-              <a:rPr lang="ru" dirty="0" smtClean="0"/>
-              <a:t>60+1серт+10</a:t>
+              <a:t>90 (60+1серт+10</a:t>
             </a:r>
             <a:r>
               <a:rPr lang="ru" dirty="0"/>
@@ -9039,19 +9015,7 @@
             </a:r>
             <a:r>
               <a:rPr lang="ru" dirty="0" smtClean="0"/>
-              <a:t>10</a:t>
-            </a:r>
-            <a:r>
-              <a:rPr lang="ru" dirty="0" smtClean="0"/>
-              <a:t>0 (</a:t>
-            </a:r>
-            <a:r>
-              <a:rPr lang="ru" dirty="0" smtClean="0"/>
-              <a:t>60+2 серт</a:t>
-            </a:r>
-            <a:r>
-              <a:rPr lang="ru" dirty="0" smtClean="0"/>
-              <a:t>+ </a:t>
+              <a:t>100 (60+2 серт+ </a:t>
             </a:r>
             <a:r>
               <a:rPr lang="ru" dirty="0"/>
@@ -9117,11 +9081,7 @@
             </a:pPr>
             <a:r>
               <a:rPr lang="ru" dirty="0"/>
-              <a:t>+ 1 сертифікат дає </a:t>
-            </a:r>
-            <a:r>
-              <a:rPr lang="ru" dirty="0"/>
-              <a:t>9</a:t>
+              <a:t>+ 1 сертифікат дає 9</a:t>
             </a:r>
             <a:r>
               <a:rPr lang="ru" dirty="0" smtClean="0"/>
@@ -9149,11 +9109,7 @@
             </a:r>
             <a:r>
               <a:rPr lang="ru" dirty="0" smtClean="0"/>
-              <a:t>10</a:t>
-            </a:r>
-            <a:r>
-              <a:rPr lang="ru" dirty="0" smtClean="0"/>
-              <a:t>0 </a:t>
+              <a:t>100 </a:t>
             </a:r>
             <a:r>
               <a:rPr lang="ru" dirty="0"/>
@@ -9177,15 +9133,7 @@
             </a:r>
             <a:r>
               <a:rPr lang="ru" dirty="0" smtClean="0"/>
-              <a:t>гарантує</a:t>
-            </a:r>
-            <a:r>
-              <a:rPr lang="ru" dirty="0" smtClean="0"/>
-              <a:t> </a:t>
-            </a:r>
-            <a:r>
-              <a:rPr lang="ru" dirty="0" smtClean="0"/>
-              <a:t>100 </a:t>
+              <a:t>гарантує 100 </a:t>
             </a:r>
             <a:r>
               <a:rPr lang="ru" dirty="0"/>
